--- a/清心敬拜.pptx
+++ b/清心敬拜.pptx
@@ -8,7 +8,7 @@
     <p:sldId id="256" r:id="rId2"/>
     <p:sldId id="257" r:id="rId3"/>
   </p:sldIdLst>
-  <p:sldSz cx="9144000" cy="6858000" type="screen4x3"/>
+  <p:sldSz cx="9144000" cy="5143500" type="screen16x9"/>
   <p:notesSz cx="6858000" cy="9144000"/>
   <p:defaultTextStyle>
     <a:defPPr>
@@ -137,8 +137,8 @@
         </p:nvSpPr>
         <p:spPr>
           <a:xfrm>
-            <a:off x="685800" y="2130425"/>
-            <a:ext cx="7772400" cy="1470025"/>
+            <a:off x="685800" y="1597819"/>
+            <a:ext cx="7772400" cy="1102519"/>
           </a:xfrm>
         </p:spPr>
         <p:txBody>
@@ -165,8 +165,8 @@
         </p:nvSpPr>
         <p:spPr>
           <a:xfrm>
-            <a:off x="1371600" y="3886200"/>
-            <a:ext cx="6400800" cy="1752600"/>
+            <a:off x="1371600" y="2914650"/>
+            <a:ext cx="6400800" cy="1314450"/>
           </a:xfrm>
         </p:spPr>
         <p:txBody>
@@ -290,7 +290,7 @@
             <a:fld id="{489BF7ED-DC58-4A61-91FF-931B2E40DFCB}" type="datetimeFigureOut">
               <a:rPr lang="zh-TW" altLang="en-US" smtClean="0"/>
               <a:pPr/>
-              <a:t>2018/2/22</a:t>
+              <a:t>2020/6/16</a:t>
             </a:fld>
             <a:endParaRPr lang="zh-TW" altLang="en-US"/>
           </a:p>
@@ -457,7 +457,7 @@
             <a:fld id="{489BF7ED-DC58-4A61-91FF-931B2E40DFCB}" type="datetimeFigureOut">
               <a:rPr lang="zh-TW" altLang="en-US" smtClean="0"/>
               <a:pPr/>
-              <a:t>2018/2/22</a:t>
+              <a:t>2020/6/16</a:t>
             </a:fld>
             <a:endParaRPr lang="zh-TW" altLang="en-US"/>
           </a:p>
@@ -543,8 +543,8 @@
         </p:nvSpPr>
         <p:spPr>
           <a:xfrm>
-            <a:off x="6629400" y="274638"/>
-            <a:ext cx="2057400" cy="5851525"/>
+            <a:off x="6629400" y="205979"/>
+            <a:ext cx="2057400" cy="4388644"/>
           </a:xfrm>
         </p:spPr>
         <p:txBody>
@@ -571,8 +571,8 @@
         </p:nvSpPr>
         <p:spPr>
           <a:xfrm>
-            <a:off x="457200" y="274638"/>
-            <a:ext cx="6019800" cy="5851525"/>
+            <a:off x="457200" y="205979"/>
+            <a:ext cx="6019800" cy="4388644"/>
           </a:xfrm>
         </p:spPr>
         <p:txBody>
@@ -634,7 +634,7 @@
             <a:fld id="{489BF7ED-DC58-4A61-91FF-931B2E40DFCB}" type="datetimeFigureOut">
               <a:rPr lang="zh-TW" altLang="en-US" smtClean="0"/>
               <a:pPr/>
-              <a:t>2018/2/22</a:t>
+              <a:t>2020/6/16</a:t>
             </a:fld>
             <a:endParaRPr lang="zh-TW" altLang="en-US"/>
           </a:p>
@@ -801,7 +801,7 @@
             <a:fld id="{489BF7ED-DC58-4A61-91FF-931B2E40DFCB}" type="datetimeFigureOut">
               <a:rPr lang="zh-TW" altLang="en-US" smtClean="0"/>
               <a:pPr/>
-              <a:t>2018/2/22</a:t>
+              <a:t>2020/6/16</a:t>
             </a:fld>
             <a:endParaRPr lang="zh-TW" altLang="en-US"/>
           </a:p>
@@ -887,8 +887,8 @@
         </p:nvSpPr>
         <p:spPr>
           <a:xfrm>
-            <a:off x="722313" y="4406900"/>
-            <a:ext cx="7772400" cy="1362075"/>
+            <a:off x="722313" y="3305176"/>
+            <a:ext cx="7772400" cy="1021556"/>
           </a:xfrm>
         </p:spPr>
         <p:txBody>
@@ -919,8 +919,8 @@
         </p:nvSpPr>
         <p:spPr>
           <a:xfrm>
-            <a:off x="722313" y="2906713"/>
-            <a:ext cx="7772400" cy="1500187"/>
+            <a:off x="722313" y="2180035"/>
+            <a:ext cx="7772400" cy="1125140"/>
           </a:xfrm>
         </p:spPr>
         <p:txBody>
@@ -1044,7 +1044,7 @@
             <a:fld id="{489BF7ED-DC58-4A61-91FF-931B2E40DFCB}" type="datetimeFigureOut">
               <a:rPr lang="zh-TW" altLang="en-US" smtClean="0"/>
               <a:pPr/>
-              <a:t>2018/2/22</a:t>
+              <a:t>2020/6/16</a:t>
             </a:fld>
             <a:endParaRPr lang="zh-TW" altLang="en-US"/>
           </a:p>
@@ -1153,8 +1153,8 @@
         </p:nvSpPr>
         <p:spPr>
           <a:xfrm>
-            <a:off x="457200" y="1600200"/>
-            <a:ext cx="4038600" cy="4525963"/>
+            <a:off x="457200" y="1200151"/>
+            <a:ext cx="4038600" cy="3394472"/>
           </a:xfrm>
         </p:spPr>
         <p:txBody>
@@ -1238,8 +1238,8 @@
         </p:nvSpPr>
         <p:spPr>
           <a:xfrm>
-            <a:off x="4648200" y="1600200"/>
-            <a:ext cx="4038600" cy="4525963"/>
+            <a:off x="4648200" y="1200151"/>
+            <a:ext cx="4038600" cy="3394472"/>
           </a:xfrm>
         </p:spPr>
         <p:txBody>
@@ -1329,7 +1329,7 @@
             <a:fld id="{489BF7ED-DC58-4A61-91FF-931B2E40DFCB}" type="datetimeFigureOut">
               <a:rPr lang="zh-TW" altLang="en-US" smtClean="0"/>
               <a:pPr/>
-              <a:t>2018/2/22</a:t>
+              <a:t>2020/6/16</a:t>
             </a:fld>
             <a:endParaRPr lang="zh-TW" altLang="en-US"/>
           </a:p>
@@ -1442,8 +1442,8 @@
         </p:nvSpPr>
         <p:spPr>
           <a:xfrm>
-            <a:off x="457200" y="1535113"/>
-            <a:ext cx="4040188" cy="639762"/>
+            <a:off x="457200" y="1151335"/>
+            <a:ext cx="4040188" cy="479822"/>
           </a:xfrm>
         </p:spPr>
         <p:txBody>
@@ -1507,8 +1507,8 @@
         </p:nvSpPr>
         <p:spPr>
           <a:xfrm>
-            <a:off x="457200" y="2174875"/>
-            <a:ext cx="4040188" cy="3951288"/>
+            <a:off x="457200" y="1631156"/>
+            <a:ext cx="4040188" cy="2963466"/>
           </a:xfrm>
         </p:spPr>
         <p:txBody>
@@ -1592,8 +1592,8 @@
         </p:nvSpPr>
         <p:spPr>
           <a:xfrm>
-            <a:off x="4645025" y="1535113"/>
-            <a:ext cx="4041775" cy="639762"/>
+            <a:off x="4645026" y="1151335"/>
+            <a:ext cx="4041775" cy="479822"/>
           </a:xfrm>
         </p:spPr>
         <p:txBody>
@@ -1657,8 +1657,8 @@
         </p:nvSpPr>
         <p:spPr>
           <a:xfrm>
-            <a:off x="4645025" y="2174875"/>
-            <a:ext cx="4041775" cy="3951288"/>
+            <a:off x="4645026" y="1631156"/>
+            <a:ext cx="4041775" cy="2963466"/>
           </a:xfrm>
         </p:spPr>
         <p:txBody>
@@ -1748,7 +1748,7 @@
             <a:fld id="{489BF7ED-DC58-4A61-91FF-931B2E40DFCB}" type="datetimeFigureOut">
               <a:rPr lang="zh-TW" altLang="en-US" smtClean="0"/>
               <a:pPr/>
-              <a:t>2018/2/22</a:t>
+              <a:t>2020/6/16</a:t>
             </a:fld>
             <a:endParaRPr lang="zh-TW" altLang="en-US"/>
           </a:p>
@@ -1863,7 +1863,7 @@
             <a:fld id="{489BF7ED-DC58-4A61-91FF-931B2E40DFCB}" type="datetimeFigureOut">
               <a:rPr lang="zh-TW" altLang="en-US" smtClean="0"/>
               <a:pPr/>
-              <a:t>2018/2/22</a:t>
+              <a:t>2020/6/16</a:t>
             </a:fld>
             <a:endParaRPr lang="zh-TW" altLang="en-US"/>
           </a:p>
@@ -1955,7 +1955,7 @@
             <a:fld id="{489BF7ED-DC58-4A61-91FF-931B2E40DFCB}" type="datetimeFigureOut">
               <a:rPr lang="zh-TW" altLang="en-US" smtClean="0"/>
               <a:pPr/>
-              <a:t>2018/2/22</a:t>
+              <a:t>2020/6/16</a:t>
             </a:fld>
             <a:endParaRPr lang="zh-TW" altLang="en-US"/>
           </a:p>
@@ -2041,8 +2041,8 @@
         </p:nvSpPr>
         <p:spPr>
           <a:xfrm>
-            <a:off x="457200" y="273050"/>
-            <a:ext cx="3008313" cy="1162050"/>
+            <a:off x="457201" y="204787"/>
+            <a:ext cx="3008313" cy="871538"/>
           </a:xfrm>
         </p:spPr>
         <p:txBody>
@@ -2073,8 +2073,8 @@
         </p:nvSpPr>
         <p:spPr>
           <a:xfrm>
-            <a:off x="3575050" y="273050"/>
-            <a:ext cx="5111750" cy="5853113"/>
+            <a:off x="3575050" y="204788"/>
+            <a:ext cx="5111750" cy="4389835"/>
           </a:xfrm>
         </p:spPr>
         <p:txBody>
@@ -2158,8 +2158,8 @@
         </p:nvSpPr>
         <p:spPr>
           <a:xfrm>
-            <a:off x="457200" y="1435100"/>
-            <a:ext cx="3008313" cy="4691063"/>
+            <a:off x="457201" y="1076326"/>
+            <a:ext cx="3008313" cy="3518297"/>
           </a:xfrm>
         </p:spPr>
         <p:txBody>
@@ -2229,7 +2229,7 @@
             <a:fld id="{489BF7ED-DC58-4A61-91FF-931B2E40DFCB}" type="datetimeFigureOut">
               <a:rPr lang="zh-TW" altLang="en-US" smtClean="0"/>
               <a:pPr/>
-              <a:t>2018/2/22</a:t>
+              <a:t>2020/6/16</a:t>
             </a:fld>
             <a:endParaRPr lang="zh-TW" altLang="en-US"/>
           </a:p>
@@ -2315,8 +2315,8 @@
         </p:nvSpPr>
         <p:spPr>
           <a:xfrm>
-            <a:off x="1792288" y="4800600"/>
-            <a:ext cx="5486400" cy="566738"/>
+            <a:off x="1792288" y="3600450"/>
+            <a:ext cx="5486400" cy="425054"/>
           </a:xfrm>
         </p:spPr>
         <p:txBody>
@@ -2347,8 +2347,8 @@
         </p:nvSpPr>
         <p:spPr>
           <a:xfrm>
-            <a:off x="1792288" y="612775"/>
-            <a:ext cx="5486400" cy="4114800"/>
+            <a:off x="1792288" y="459581"/>
+            <a:ext cx="5486400" cy="3086100"/>
           </a:xfrm>
         </p:spPr>
         <p:txBody>
@@ -2412,8 +2412,8 @@
         </p:nvSpPr>
         <p:spPr>
           <a:xfrm>
-            <a:off x="1792288" y="5367338"/>
-            <a:ext cx="5486400" cy="804862"/>
+            <a:off x="1792288" y="4025503"/>
+            <a:ext cx="5486400" cy="603647"/>
           </a:xfrm>
         </p:spPr>
         <p:txBody>
@@ -2483,7 +2483,7 @@
             <a:fld id="{489BF7ED-DC58-4A61-91FF-931B2E40DFCB}" type="datetimeFigureOut">
               <a:rPr lang="zh-TW" altLang="en-US" smtClean="0"/>
               <a:pPr/>
-              <a:t>2018/2/22</a:t>
+              <a:t>2020/6/16</a:t>
             </a:fld>
             <a:endParaRPr lang="zh-TW" altLang="en-US"/>
           </a:p>
@@ -2579,8 +2579,8 @@
         </p:nvSpPr>
         <p:spPr>
           <a:xfrm>
-            <a:off x="457200" y="274638"/>
-            <a:ext cx="8229600" cy="1143000"/>
+            <a:off x="457200" y="205978"/>
+            <a:ext cx="8229600" cy="857250"/>
           </a:xfrm>
           <a:prstGeom prst="rect">
             <a:avLst/>
@@ -2612,8 +2612,8 @@
         </p:nvSpPr>
         <p:spPr>
           <a:xfrm>
-            <a:off x="457200" y="1600200"/>
-            <a:ext cx="8229600" cy="4525963"/>
+            <a:off x="457200" y="1200151"/>
+            <a:ext cx="8229600" cy="3394472"/>
           </a:xfrm>
           <a:prstGeom prst="rect">
             <a:avLst/>
@@ -2674,8 +2674,8 @@
         </p:nvSpPr>
         <p:spPr>
           <a:xfrm>
-            <a:off x="457200" y="6356350"/>
-            <a:ext cx="2133600" cy="365125"/>
+            <a:off x="457200" y="4767263"/>
+            <a:ext cx="2133600" cy="273844"/>
           </a:xfrm>
           <a:prstGeom prst="rect">
             <a:avLst/>
@@ -2698,7 +2698,7 @@
             <a:fld id="{489BF7ED-DC58-4A61-91FF-931B2E40DFCB}" type="datetimeFigureOut">
               <a:rPr lang="zh-TW" altLang="en-US" smtClean="0"/>
               <a:pPr/>
-              <a:t>2018/2/22</a:t>
+              <a:t>2020/6/16</a:t>
             </a:fld>
             <a:endParaRPr lang="zh-TW" altLang="en-US"/>
           </a:p>
@@ -2716,8 +2716,8 @@
         </p:nvSpPr>
         <p:spPr>
           <a:xfrm>
-            <a:off x="3124200" y="6356350"/>
-            <a:ext cx="2895600" cy="365125"/>
+            <a:off x="3124200" y="4767263"/>
+            <a:ext cx="2895600" cy="273844"/>
           </a:xfrm>
           <a:prstGeom prst="rect">
             <a:avLst/>
@@ -2753,8 +2753,8 @@
         </p:nvSpPr>
         <p:spPr>
           <a:xfrm>
-            <a:off x="6553200" y="6356350"/>
-            <a:ext cx="2133600" cy="365125"/>
+            <a:off x="6553200" y="4767263"/>
+            <a:ext cx="2133600" cy="273844"/>
           </a:xfrm>
           <a:prstGeom prst="rect">
             <a:avLst/>
@@ -3118,8 +3118,8 @@
         </p:nvSpPr>
         <p:spPr>
           <a:xfrm>
-            <a:off x="352426" y="1463040"/>
-            <a:ext cx="8434416" cy="4724400"/>
+            <a:off x="352426" y="1097280"/>
+            <a:ext cx="8434416" cy="3543300"/>
           </a:xfrm>
         </p:spPr>
         <p:txBody>
@@ -3132,7 +3132,7 @@
               <a:buNone/>
             </a:pPr>
             <a:r>
-              <a:rPr lang="zh-TW" altLang="en-US" sz="5400" b="1" dirty="0" smtClean="0">
+              <a:rPr lang="zh-TW" altLang="en-US" sz="4800" b="1" dirty="0" smtClean="0">
                 <a:solidFill>
                   <a:srgbClr val="000066"/>
                 </a:solidFill>
@@ -3142,7 +3142,7 @@
               <a:t>柔和我</a:t>
             </a:r>
             <a:r>
-              <a:rPr lang="zh-CN" altLang="en-US" sz="5400" b="1" dirty="0" smtClean="0">
+              <a:rPr lang="zh-CN" altLang="en-US" sz="4800" b="1" dirty="0" smtClean="0">
                 <a:solidFill>
                   <a:srgbClr val="000066"/>
                 </a:solidFill>
@@ -3151,7 +3151,7 @@
               </a:rPr>
               <a:t>聲</a:t>
             </a:r>
-            <a:endParaRPr lang="en-US" altLang="zh-CN" sz="5400" b="1" dirty="0" smtClean="0">
+            <a:endParaRPr lang="en-US" altLang="zh-CN" sz="4800" b="1" dirty="0" smtClean="0">
               <a:solidFill>
                 <a:srgbClr val="000066"/>
               </a:solidFill>
@@ -3164,56 +3164,36 @@
               <a:buNone/>
             </a:pPr>
             <a:r>
-              <a:rPr lang="zh-TW" altLang="en-US" sz="5400" b="1" dirty="0" smtClean="0">
+              <a:rPr lang="zh-TW" altLang="en-US" sz="4800" b="1" dirty="0" smtClean="0">
                 <a:solidFill>
                   <a:srgbClr val="000066"/>
                 </a:solidFill>
                 <a:latin typeface="微軟正黑體" pitchFamily="34" charset="-120"/>
                 <a:ea typeface="微軟正黑體" pitchFamily="34" charset="-120"/>
               </a:rPr>
-              <a:t>專心</a:t>
-            </a:r>
-            <a:r>
-              <a:rPr lang="zh-TW" altLang="en-US" sz="5400" b="1" dirty="0" smtClean="0">
+              <a:t>專心敬拜</a:t>
+            </a:r>
+            <a:r>
+              <a:rPr lang="zh-TW" altLang="en-US" sz="4800" b="1" dirty="0" smtClean="0">
                 <a:solidFill>
                   <a:srgbClr val="000066"/>
                 </a:solidFill>
                 <a:latin typeface="微軟正黑體" pitchFamily="34" charset="-120"/>
                 <a:ea typeface="微軟正黑體" pitchFamily="34" charset="-120"/>
               </a:rPr>
-              <a:t>敬拜歌頌你</a:t>
-            </a:r>
-          </a:p>
-          <a:p>
-            <a:pPr algn="ctr">
-              <a:buNone/>
-            </a:pPr>
-            <a:r>
-              <a:rPr lang="zh-TW" altLang="en-US" sz="5400" b="1" dirty="0" smtClean="0">
+              <a:t>歌頌</a:t>
+            </a:r>
+            <a:r>
+              <a:rPr lang="zh-CN" altLang="en-US" sz="4800" b="1" dirty="0" smtClean="0">
                 <a:solidFill>
                   <a:srgbClr val="000066"/>
                 </a:solidFill>
                 <a:latin typeface="微軟正黑體" pitchFamily="34" charset="-120"/>
                 <a:ea typeface="微軟正黑體" pitchFamily="34" charset="-120"/>
               </a:rPr>
-              <a:t>靜待朝見主</a:t>
-            </a:r>
-          </a:p>
-          <a:p>
-            <a:pPr algn="ctr">
-              <a:buNone/>
-            </a:pPr>
-            <a:r>
-              <a:rPr lang="zh-TW" altLang="en-US" sz="5400" b="1" dirty="0" smtClean="0">
-                <a:solidFill>
-                  <a:srgbClr val="000066"/>
-                </a:solidFill>
-                <a:latin typeface="微軟正黑體" pitchFamily="34" charset="-120"/>
-                <a:ea typeface="微軟正黑體" pitchFamily="34" charset="-120"/>
-              </a:rPr>
-              <a:t>一心渴見你的美</a:t>
-            </a:r>
-            <a:endParaRPr lang="zh-TW" altLang="en-US" sz="5400" b="1" dirty="0">
+              <a:t>袮</a:t>
+            </a:r>
+            <a:endParaRPr lang="zh-TW" altLang="en-US" sz="4800" b="1" dirty="0" smtClean="0">
               <a:solidFill>
                 <a:srgbClr val="000066"/>
               </a:solidFill>
@@ -3221,6 +3201,83 @@
               <a:ea typeface="微軟正黑體" pitchFamily="34" charset="-120"/>
             </a:endParaRPr>
           </a:p>
+          <a:p>
+            <a:pPr algn="ctr">
+              <a:buNone/>
+            </a:pPr>
+            <a:r>
+              <a:rPr lang="zh-TW" altLang="en-US" sz="4800" b="1" dirty="0" smtClean="0">
+                <a:solidFill>
+                  <a:srgbClr val="000066"/>
+                </a:solidFill>
+                <a:latin typeface="微軟正黑體" pitchFamily="34" charset="-120"/>
+                <a:ea typeface="微軟正黑體" pitchFamily="34" charset="-120"/>
+              </a:rPr>
+              <a:t>靜待朝見主</a:t>
+            </a:r>
+          </a:p>
+          <a:p>
+            <a:pPr algn="ctr">
+              <a:buNone/>
+            </a:pPr>
+            <a:r>
+              <a:rPr lang="zh-TW" altLang="en-US" sz="4800" b="1" dirty="0" smtClean="0">
+                <a:solidFill>
+                  <a:srgbClr val="000066"/>
+                </a:solidFill>
+                <a:latin typeface="微軟正黑體" pitchFamily="34" charset="-120"/>
+                <a:ea typeface="微軟正黑體" pitchFamily="34" charset="-120"/>
+              </a:rPr>
+              <a:t>一心渴</a:t>
+            </a:r>
+            <a:r>
+              <a:rPr lang="zh-TW" altLang="en-US" sz="4800" b="1" dirty="0" smtClean="0">
+                <a:solidFill>
+                  <a:srgbClr val="000066"/>
+                </a:solidFill>
+                <a:latin typeface="微軟正黑體" pitchFamily="34" charset="-120"/>
+                <a:ea typeface="微軟正黑體" pitchFamily="34" charset="-120"/>
+              </a:rPr>
+              <a:t>見</a:t>
+            </a:r>
+            <a:r>
+              <a:rPr lang="zh-CN" altLang="en-US" sz="4800" b="1" dirty="0" smtClean="0">
+                <a:solidFill>
+                  <a:srgbClr val="000066"/>
+                </a:solidFill>
+                <a:latin typeface="微軟正黑體" pitchFamily="34" charset="-120"/>
+                <a:ea typeface="微軟正黑體" pitchFamily="34" charset="-120"/>
+              </a:rPr>
+              <a:t>袮</a:t>
+            </a:r>
+            <a:r>
+              <a:rPr lang="zh-TW" altLang="en-US" sz="4800" b="1" dirty="0" smtClean="0">
+                <a:solidFill>
+                  <a:srgbClr val="000066"/>
+                </a:solidFill>
+                <a:latin typeface="微軟正黑體" pitchFamily="34" charset="-120"/>
+                <a:ea typeface="微軟正黑體" pitchFamily="34" charset="-120"/>
+              </a:rPr>
+              <a:t>的</a:t>
+            </a:r>
+            <a:r>
+              <a:rPr lang="zh-TW" altLang="en-US" sz="4800" b="1" dirty="0" smtClean="0">
+                <a:solidFill>
+                  <a:srgbClr val="000066"/>
+                </a:solidFill>
+                <a:latin typeface="微軟正黑體" pitchFamily="34" charset="-120"/>
+                <a:ea typeface="微軟正黑體" pitchFamily="34" charset="-120"/>
+              </a:rPr>
+              <a:t>美</a:t>
+            </a:r>
+            <a:endParaRPr lang="zh-TW" altLang="en-US" sz="4800" b="1" dirty="0">
+              <a:solidFill>
+                <a:srgbClr val="000066"/>
+              </a:solidFill>
+              <a:latin typeface="微軟正黑體" pitchFamily="34" charset="-120"/>
+              <a:ea typeface="微軟正黑體" pitchFamily="34" charset="-120"/>
+            </a:endParaRPr>
+          </a:p>
         </p:txBody>
       </p:sp>
     </p:spTree>
@@ -3228,6 +3285,13 @@
   <p:clrMapOvr>
     <a:masterClrMapping/>
   </p:clrMapOvr>
+  <p:timing>
+    <p:tnLst>
+      <p:par>
+        <p:cTn id="1" dur="indefinite" restart="never" nodeType="tmRoot"/>
+      </p:par>
+    </p:tnLst>
+  </p:timing>
 </p:sld>
 </file>
 
@@ -3297,8 +3361,8 @@
         </p:nvSpPr>
         <p:spPr>
           <a:xfrm>
-            <a:off x="352426" y="1463040"/>
-            <a:ext cx="8434416" cy="4724400"/>
+            <a:off x="352426" y="1097280"/>
+            <a:ext cx="8434416" cy="3543300"/>
           </a:xfrm>
         </p:spPr>
         <p:txBody>
@@ -3311,7 +3375,7 @@
               <a:buNone/>
             </a:pPr>
             <a:r>
-              <a:rPr lang="zh-TW" altLang="en-US" sz="5400" b="1" dirty="0" smtClean="0">
+              <a:rPr lang="zh-TW" altLang="en-US" sz="4800" b="1" dirty="0" smtClean="0">
                 <a:solidFill>
                   <a:srgbClr val="000066"/>
                 </a:solidFill>
@@ -3326,7 +3390,7 @@
               <a:buNone/>
             </a:pPr>
             <a:r>
-              <a:rPr lang="zh-TW" altLang="en-US" sz="5400" b="1" dirty="0" smtClean="0">
+              <a:rPr lang="zh-TW" altLang="en-US" sz="4800" b="1" dirty="0" smtClean="0">
                 <a:solidFill>
                   <a:srgbClr val="000066"/>
                 </a:solidFill>
@@ -3341,7 +3405,7 @@
               <a:buNone/>
             </a:pPr>
             <a:r>
-              <a:rPr lang="zh-TW" altLang="en-US" sz="5400" b="1" dirty="0" smtClean="0">
+              <a:rPr lang="zh-TW" altLang="en-US" sz="4800" b="1" dirty="0" smtClean="0">
                 <a:solidFill>
                   <a:srgbClr val="000066"/>
                 </a:solidFill>
@@ -3356,16 +3420,46 @@
               <a:buNone/>
             </a:pPr>
             <a:r>
-              <a:rPr lang="zh-TW" altLang="en-US" sz="5400" b="1" dirty="0" smtClean="0">
+              <a:rPr lang="zh-TW" altLang="en-US" sz="4800" b="1" dirty="0" smtClean="0">
                 <a:solidFill>
                   <a:srgbClr val="000066"/>
                 </a:solidFill>
                 <a:latin typeface="微軟正黑體" pitchFamily="34" charset="-120"/>
                 <a:ea typeface="微軟正黑體" pitchFamily="34" charset="-120"/>
               </a:rPr>
-              <a:t>呼吸你賜福的空氣</a:t>
-            </a:r>
-            <a:endParaRPr lang="zh-TW" altLang="en-US" sz="5400" b="1" dirty="0">
+              <a:t>呼吸</a:t>
+            </a:r>
+            <a:r>
+              <a:rPr lang="zh-CN" altLang="en-US" sz="4800" b="1" dirty="0" smtClean="0">
+                <a:solidFill>
+                  <a:srgbClr val="000066"/>
+                </a:solidFill>
+                <a:latin typeface="微軟正黑體" pitchFamily="34" charset="-120"/>
+                <a:ea typeface="微軟正黑體" pitchFamily="34" charset="-120"/>
+              </a:rPr>
+              <a:t>袮</a:t>
+            </a:r>
+            <a:r>
+              <a:rPr lang="zh-TW" altLang="en-US" sz="4800" b="1" dirty="0" smtClean="0">
+                <a:solidFill>
+                  <a:srgbClr val="000066"/>
+                </a:solidFill>
+                <a:latin typeface="微軟正黑體" pitchFamily="34" charset="-120"/>
+                <a:ea typeface="微軟正黑體" pitchFamily="34" charset="-120"/>
+              </a:rPr>
+              <a:t>賜福</a:t>
+            </a:r>
+            <a:r>
+              <a:rPr lang="zh-TW" altLang="en-US" sz="4800" b="1" dirty="0" smtClean="0">
+                <a:solidFill>
+                  <a:srgbClr val="000066"/>
+                </a:solidFill>
+                <a:latin typeface="微軟正黑體" pitchFamily="34" charset="-120"/>
+                <a:ea typeface="微軟正黑體" pitchFamily="34" charset="-120"/>
+              </a:rPr>
+              <a:t>的空氣</a:t>
+            </a:r>
+            <a:endParaRPr lang="zh-TW" altLang="en-US" sz="4800" b="1" dirty="0">
               <a:solidFill>
                 <a:srgbClr val="000066"/>
               </a:solidFill>
@@ -3380,6 +3474,13 @@
   <p:clrMapOvr>
     <a:masterClrMapping/>
   </p:clrMapOvr>
+  <p:timing>
+    <p:tnLst>
+      <p:par>
+        <p:cTn id="1" dur="indefinite" restart="never" nodeType="tmRoot"/>
+      </p:par>
+    </p:tnLst>
+  </p:timing>
 </p:sld>
 </file>
 
